--- a/ClassMaterials/ArraysAndLists/Slides/Part3-JavaArrayLists.pptx
+++ b/ClassMaterials/ArraysAndLists/Slides/Part3-JavaArrayLists.pptx
@@ -4355,7 +4355,7 @@
           </a:ln>
           <a:extLst>
             <a:ext uri="{C572A759-6A51-4108-AA02-DFA0A04FC94B}">
-              <ma14:wrappingTextBoxFlag xmlns="" xmlns:ma14="http://schemas.microsoft.com/office/mac/drawingml/2011/main" val="1"/>
+              <ma14:wrappingTextBoxFlag xmlns:ma14="http://schemas.microsoft.com/office/mac/drawingml/2011/main" xmlns="" val="1"/>
             </a:ext>
           </a:extLst>
         </p:spPr>
@@ -4398,7 +4398,7 @@
           </a:ln>
           <a:extLst>
             <a:ext uri="{C572A759-6A51-4108-AA02-DFA0A04FC94B}">
-              <ma14:wrappingTextBoxFlag xmlns="" xmlns:ma14="http://schemas.microsoft.com/office/mac/drawingml/2011/main" val="1"/>
+              <ma14:wrappingTextBoxFlag xmlns:ma14="http://schemas.microsoft.com/office/mac/drawingml/2011/main" xmlns="" val="1"/>
             </a:ext>
           </a:extLst>
         </p:spPr>
@@ -4887,7 +4887,7 @@
           </a:ln>
           <a:extLst>
             <a:ext uri="{C572A759-6A51-4108-AA02-DFA0A04FC94B}">
-              <ma14:wrappingTextBoxFlag xmlns="" xmlns:ma14="http://schemas.microsoft.com/office/mac/drawingml/2011/main" val="1"/>
+              <ma14:wrappingTextBoxFlag xmlns:ma14="http://schemas.microsoft.com/office/mac/drawingml/2011/main" xmlns="" val="1"/>
             </a:ext>
           </a:extLst>
         </p:spPr>
@@ -7794,7 +7794,7 @@
           <p:nvPr/>
         </p:nvPicPr>
         <p:blipFill>
-          <a:blip r:embed="rId3">
+          <a:blip r:embed="rId3" cstate="print">
             <a:extLst>
               <a:ext uri="{28A0092B-C50C-407E-A947-70E740481C1C}">
                 <a14:useLocalDpi xmlns:a14="http://schemas.microsoft.com/office/drawing/2010/main" val="0"/>
@@ -8249,7 +8249,7 @@
           <p:nvPr/>
         </p:nvPicPr>
         <p:blipFill>
-          <a:blip r:embed="rId3">
+          <a:blip r:embed="rId3" cstate="print">
             <a:extLst>
               <a:ext uri="{28A0092B-C50C-407E-A947-70E740481C1C}">
                 <a14:useLocalDpi xmlns:a14="http://schemas.microsoft.com/office/drawing/2010/main" val="0"/>
@@ -8688,7 +8688,7 @@
           <p:nvPr/>
         </p:nvPicPr>
         <p:blipFill>
-          <a:blip r:embed="rId4">
+          <a:blip r:embed="rId4" cstate="print">
             <a:extLst>
               <a:ext uri="{28A0092B-C50C-407E-A947-70E740481C1C}">
                 <a14:useLocalDpi xmlns:a14="http://schemas.microsoft.com/office/drawing/2010/main" val="0"/>
@@ -8877,7 +8877,7 @@
           <p:nvPr/>
         </p:nvPicPr>
         <p:blipFill>
-          <a:blip r:embed="rId3">
+          <a:blip r:embed="rId3" cstate="print">
             <a:extLst>
               <a:ext uri="{28A0092B-C50C-407E-A947-70E740481C1C}">
                 <a14:useLocalDpi xmlns:a14="http://schemas.microsoft.com/office/drawing/2010/main" val="0"/>
@@ -9381,7 +9381,7 @@
           <p:nvPr/>
         </p:nvPicPr>
         <p:blipFill>
-          <a:blip r:embed="rId4">
+          <a:blip r:embed="rId4" cstate="print">
             <a:extLst>
               <a:ext uri="{28A0092B-C50C-407E-A947-70E740481C1C}">
                 <a14:useLocalDpi xmlns:a14="http://schemas.microsoft.com/office/drawing/2010/main" val="0"/>
@@ -9539,7 +9539,7 @@
           <p:nvPr/>
         </p:nvPicPr>
         <p:blipFill>
-          <a:blip r:embed="rId5">
+          <a:blip r:embed="rId5" cstate="print">
             <a:extLst>
               <a:ext uri="{28A0092B-C50C-407E-A947-70E740481C1C}">
                 <a14:useLocalDpi xmlns:a14="http://schemas.microsoft.com/office/drawing/2010/main" val="0"/>
@@ -9994,7 +9994,7 @@
           <p:nvPr/>
         </p:nvPicPr>
         <p:blipFill>
-          <a:blip r:embed="rId3">
+          <a:blip r:embed="rId3" cstate="print">
             <a:extLst>
               <a:ext uri="{28A0092B-C50C-407E-A947-70E740481C1C}">
                 <a14:useLocalDpi xmlns:a14="http://schemas.microsoft.com/office/drawing/2010/main" val="0"/>
@@ -10501,7 +10501,7 @@
           <p:nvPr/>
         </p:nvPicPr>
         <p:blipFill>
-          <a:blip r:embed="rId3">
+          <a:blip r:embed="rId3" cstate="print">
             <a:extLst>
               <a:ext uri="{28A0092B-C50C-407E-A947-70E740481C1C}">
                 <a14:useLocalDpi xmlns:a14="http://schemas.microsoft.com/office/drawing/2010/main" val="0"/>

--- a/ClassMaterials/ArraysAndLists/Slides/Part3-JavaArrayLists.pptx
+++ b/ClassMaterials/ArraysAndLists/Slides/Part3-JavaArrayLists.pptx
@@ -5,7 +5,7 @@
     <p:sldMasterId id="2147483648" r:id="rId1"/>
   </p:sldMasterIdLst>
   <p:notesMasterIdLst>
-    <p:notesMasterId r:id="rId16"/>
+    <p:notesMasterId r:id="rId17"/>
   </p:notesMasterIdLst>
   <p:sldIdLst>
     <p:sldId id="310" r:id="rId2"/>
@@ -22,6 +22,7 @@
     <p:sldId id="326" r:id="rId13"/>
     <p:sldId id="327" r:id="rId14"/>
     <p:sldId id="273" r:id="rId15"/>
+    <p:sldId id="296" r:id="rId16"/>
   </p:sldIdLst>
   <p:sldSz cx="9144000" cy="6858000" type="screen4x3"/>
   <p:notesSz cx="6858000" cy="9144000"/>
@@ -2702,6 +2703,89 @@
     <p:extLst>
       <p:ext uri="{BB962C8B-B14F-4D97-AF65-F5344CB8AC3E}">
         <p14:creationId xmlns:p14="http://schemas.microsoft.com/office/powerpoint/2010/main" val="557737495"/>
+      </p:ext>
+    </p:extLst>
+  </p:cSld>
+  <p:clrMapOvr>
+    <a:masterClrMapping/>
+  </p:clrMapOvr>
+</p:notes>
+</file>
+
+<file path=ppt/notesSlides/notesSlide15.xml><?xml version="1.0" encoding="utf-8"?>
+<p:notes xmlns:a="http://schemas.openxmlformats.org/drawingml/2006/main" xmlns:r="http://schemas.openxmlformats.org/officeDocument/2006/relationships" xmlns:p="http://schemas.openxmlformats.org/presentationml/2006/main">
+  <p:cSld>
+    <p:spTree>
+      <p:nvGrpSpPr>
+        <p:cNvPr id="1" name=""/>
+        <p:cNvGrpSpPr/>
+        <p:nvPr/>
+      </p:nvGrpSpPr>
+      <p:grpSpPr>
+        <a:xfrm>
+          <a:off x="0" y="0"/>
+          <a:ext cx="0" cy="0"/>
+          <a:chOff x="0" y="0"/>
+          <a:chExt cx="0" cy="0"/>
+        </a:xfrm>
+      </p:grpSpPr>
+      <p:sp>
+        <p:nvSpPr>
+          <p:cNvPr id="2" name="Slide Image Placeholder 1"/>
+          <p:cNvSpPr>
+            <a:spLocks noGrp="1" noRot="1" noChangeAspect="1"/>
+          </p:cNvSpPr>
+          <p:nvPr>
+            <p:ph type="sldImg"/>
+          </p:nvPr>
+        </p:nvSpPr>
+        <p:spPr/>
+      </p:sp>
+      <p:sp>
+        <p:nvSpPr>
+          <p:cNvPr id="3" name="Notes Placeholder 2"/>
+          <p:cNvSpPr>
+            <a:spLocks noGrp="1"/>
+          </p:cNvSpPr>
+          <p:nvPr>
+            <p:ph type="body" idx="1"/>
+          </p:nvPr>
+        </p:nvSpPr>
+        <p:spPr/>
+        <p:txBody>
+          <a:bodyPr/>
+          <a:lstStyle/>
+          <a:p>
+            <a:r>
+              <a:rPr lang="en-US" dirty="0"/>
+              <a:t>As time allows:</a:t>
+            </a:r>
+          </a:p>
+          <a:p>
+            <a:endParaRPr lang="en-US" dirty="0"/>
+          </a:p>
+          <a:p>
+            <a:r>
+              <a:rPr lang="en-US" dirty="0"/>
+              <a:t>1. See if anyone is asking about static, give simple</a:t>
+            </a:r>
+            <a:r>
+              <a:rPr lang="en-US" baseline="0" dirty="0"/>
+              <a:t> explanation</a:t>
+            </a:r>
+          </a:p>
+          <a:p>
+            <a:r>
+              <a:rPr lang="en-US" dirty="0"/>
+              <a:t>2. Possible elaborate on an auto-boxing diagram</a:t>
+            </a:r>
+          </a:p>
+        </p:txBody>
+      </p:sp>
+    </p:spTree>
+    <p:extLst>
+      <p:ext uri="{BB962C8B-B14F-4D97-AF65-F5344CB8AC3E}">
+        <p14:creationId xmlns:p14="http://schemas.microsoft.com/office/powerpoint/2010/main" val="1056103267"/>
       </p:ext>
     </p:extLst>
   </p:cSld>
@@ -6622,6 +6706,152 @@
 </p:sld>
 </file>
 
+<file path=ppt/slides/slide15.xml><?xml version="1.0" encoding="utf-8"?>
+<p:sld xmlns:a="http://schemas.openxmlformats.org/drawingml/2006/main" xmlns:r="http://schemas.openxmlformats.org/officeDocument/2006/relationships" xmlns:p="http://schemas.openxmlformats.org/presentationml/2006/main">
+  <p:cSld>
+    <p:spTree>
+      <p:nvGrpSpPr>
+        <p:cNvPr id="1" name=""/>
+        <p:cNvGrpSpPr/>
+        <p:nvPr/>
+      </p:nvGrpSpPr>
+      <p:grpSpPr>
+        <a:xfrm>
+          <a:off x="0" y="0"/>
+          <a:ext cx="0" cy="0"/>
+          <a:chOff x="0" y="0"/>
+          <a:chExt cx="0" cy="0"/>
+        </a:xfrm>
+      </p:grpSpPr>
+      <p:sp>
+        <p:nvSpPr>
+          <p:cNvPr id="2" name="Title 1"/>
+          <p:cNvSpPr>
+            <a:spLocks noGrp="1"/>
+          </p:cNvSpPr>
+          <p:nvPr>
+            <p:ph type="title"/>
+          </p:nvPr>
+        </p:nvSpPr>
+        <p:spPr/>
+        <p:txBody>
+          <a:bodyPr/>
+          <a:lstStyle/>
+          <a:p>
+            <a:r>
+              <a:rPr lang="en-US" dirty="0"/>
+              <a:t>Work Time</a:t>
+            </a:r>
+          </a:p>
+        </p:txBody>
+      </p:sp>
+      <p:sp>
+        <p:nvSpPr>
+          <p:cNvPr id="3" name="Text Placeholder 2"/>
+          <p:cNvSpPr>
+            <a:spLocks noGrp="1"/>
+          </p:cNvSpPr>
+          <p:nvPr>
+            <p:ph type="body" idx="1"/>
+          </p:nvPr>
+        </p:nvSpPr>
+        <p:spPr/>
+        <p:txBody>
+          <a:bodyPr/>
+          <a:lstStyle/>
+          <a:p>
+            <a:pPr marL="514350" indent="-514350">
+              <a:buFont typeface="+mj-lt"/>
+              <a:buAutoNum type="arabicPeriod"/>
+            </a:pPr>
+            <a:r>
+              <a:rPr lang="en-US" dirty="0"/>
+              <a:t>Completing the </a:t>
+            </a:r>
+            <a:r>
+              <a:rPr lang="en-US" dirty="0" err="1"/>
+              <a:t>ArrayList</a:t>
+            </a:r>
+            <a:r>
+              <a:rPr lang="en-US" dirty="0"/>
+              <a:t> practice</a:t>
+            </a:r>
+          </a:p>
+          <a:p>
+            <a:pPr marL="514350" indent="-514350">
+              <a:buFont typeface="+mj-lt"/>
+              <a:buAutoNum type="arabicPeriod"/>
+            </a:pPr>
+            <a:r>
+              <a:rPr lang="en-US" dirty="0"/>
+              <a:t>Complete Daily Quiz</a:t>
+            </a:r>
+          </a:p>
+          <a:p>
+            <a:pPr marL="514350" indent="-514350">
+              <a:buFont typeface="+mj-lt"/>
+              <a:buAutoNum type="arabicPeriod"/>
+            </a:pPr>
+            <a:r>
+              <a:rPr lang="en-US"/>
+              <a:t>Work </a:t>
+            </a:r>
+            <a:r>
+              <a:rPr lang="en-US" dirty="0"/>
+              <a:t>on </a:t>
+            </a:r>
+            <a:r>
+              <a:rPr lang="en-US" dirty="0" err="1"/>
+              <a:t>TwelveProblems</a:t>
+            </a:r>
+            <a:endParaRPr lang="en-US" dirty="0"/>
+          </a:p>
+        </p:txBody>
+      </p:sp>
+      <p:sp>
+        <p:nvSpPr>
+          <p:cNvPr id="4" name="Slide Number Placeholder 3">
+            <a:extLst>
+              <a:ext uri="{FF2B5EF4-FFF2-40B4-BE49-F238E27FC236}">
+                <a16:creationId xmlns:a16="http://schemas.microsoft.com/office/drawing/2014/main" id="{21F8A136-8C0E-4DA8-A97A-6B0304CA4104}"/>
+              </a:ext>
+            </a:extLst>
+          </p:cNvPr>
+          <p:cNvSpPr>
+            <a:spLocks noGrp="1"/>
+          </p:cNvSpPr>
+          <p:nvPr>
+            <p:ph type="sldNum" sz="quarter" idx="2"/>
+          </p:nvPr>
+        </p:nvSpPr>
+        <p:spPr/>
+        <p:txBody>
+          <a:bodyPr/>
+          <a:lstStyle/>
+          <a:p>
+            <a:pPr lvl="0"/>
+            <a:fld id="{86CB4B4D-7CA3-9044-876B-883B54F8677D}" type="slidenum">
+              <a:rPr lang="en-US" smtClean="0"/>
+              <a:t>15</a:t>
+            </a:fld>
+            <a:endParaRPr lang="en-US"/>
+          </a:p>
+        </p:txBody>
+      </p:sp>
+    </p:spTree>
+    <p:extLst>
+      <p:ext uri="{BB962C8B-B14F-4D97-AF65-F5344CB8AC3E}">
+        <p14:creationId xmlns:p14="http://schemas.microsoft.com/office/powerpoint/2010/main" val="2842129588"/>
+      </p:ext>
+    </p:extLst>
+  </p:cSld>
+  <p:clrMapOvr>
+    <a:masterClrMapping/>
+  </p:clrMapOvr>
+  <p:transition spd="med"/>
+</p:sld>
+</file>
+
 <file path=ppt/slides/slide2.xml><?xml version="1.0" encoding="utf-8"?>
 <p:sld xmlns:a="http://schemas.openxmlformats.org/drawingml/2006/main" xmlns:r="http://schemas.openxmlformats.org/officeDocument/2006/relationships" xmlns:p="http://schemas.openxmlformats.org/presentationml/2006/main">
   <p:cSld>
@@ -6780,6 +7010,26 @@
                 <a:cs typeface="Times New Roman" panose="02020603050405020304" pitchFamily="18" charset="0"/>
               </a:rPr>
               <a:t> means a client program can access any location in constant time, written as O(1)</a:t>
+            </a:r>
+          </a:p>
+          <a:p>
+            <a:pPr lvl="1"/>
+            <a:r>
+              <a:rPr lang="en-US" sz="2000" dirty="0">
+                <a:latin typeface="Times New Roman" panose="02020603050405020304" pitchFamily="18" charset="0"/>
+                <a:cs typeface="Times New Roman" panose="02020603050405020304" pitchFamily="18" charset="0"/>
+              </a:rPr>
+              <a:t>This is covered in the final part of the course in more depth</a:t>
+            </a:r>
+          </a:p>
+          <a:p>
+            <a:pPr lvl="1"/>
+            <a:r>
+              <a:rPr lang="en-US" sz="2000" dirty="0">
+                <a:latin typeface="Times New Roman" panose="02020603050405020304" pitchFamily="18" charset="0"/>
+                <a:cs typeface="Times New Roman" panose="02020603050405020304" pitchFamily="18" charset="0"/>
+              </a:rPr>
+              <a:t>For now, just understand that it is FAST!</a:t>
             </a:r>
           </a:p>
           <a:p>
